--- a/project presentation (WIP).pptx
+++ b/project presentation (WIP).pptx
@@ -108,6 +108,11 @@
       </a:defRPr>
     </a:lvl9pPr>
   </p:defaultTextStyle>
+  <p:extLst>
+    <p:ext uri="{EFAFB233-063F-42B5-8137-9DF3F51BA10A}">
+      <p15:sldGuideLst xmlns:p15="http://schemas.microsoft.com/office/powerpoint/2012/main"/>
+    </p:ext>
+  </p:extLst>
 </p:presentation>
 </file>
 
@@ -260,7 +265,7 @@
           <a:p>
             <a:fld id="{9B69D876-7CEC-4B74-B665-6B1E45D3CD13}" type="datetimeFigureOut">
               <a:rPr lang="en-US" smtClean="0"/>
-              <a:t>11/14/2022</a:t>
+              <a:t>11/16/2022</a:t>
             </a:fld>
             <a:endParaRPr lang="en-US"/>
           </a:p>
@@ -460,7 +465,7 @@
           <a:p>
             <a:fld id="{9B69D876-7CEC-4B74-B665-6B1E45D3CD13}" type="datetimeFigureOut">
               <a:rPr lang="en-US" smtClean="0"/>
-              <a:t>11/14/2022</a:t>
+              <a:t>11/16/2022</a:t>
             </a:fld>
             <a:endParaRPr lang="en-US"/>
           </a:p>
@@ -670,7 +675,7 @@
           <a:p>
             <a:fld id="{9B69D876-7CEC-4B74-B665-6B1E45D3CD13}" type="datetimeFigureOut">
               <a:rPr lang="en-US" smtClean="0"/>
-              <a:t>11/14/2022</a:t>
+              <a:t>11/16/2022</a:t>
             </a:fld>
             <a:endParaRPr lang="en-US"/>
           </a:p>
@@ -870,7 +875,7 @@
           <a:p>
             <a:fld id="{9B69D876-7CEC-4B74-B665-6B1E45D3CD13}" type="datetimeFigureOut">
               <a:rPr lang="en-US" smtClean="0"/>
-              <a:t>11/14/2022</a:t>
+              <a:t>11/16/2022</a:t>
             </a:fld>
             <a:endParaRPr lang="en-US"/>
           </a:p>
@@ -1146,7 +1151,7 @@
           <a:p>
             <a:fld id="{9B69D876-7CEC-4B74-B665-6B1E45D3CD13}" type="datetimeFigureOut">
               <a:rPr lang="en-US" smtClean="0"/>
-              <a:t>11/14/2022</a:t>
+              <a:t>11/16/2022</a:t>
             </a:fld>
             <a:endParaRPr lang="en-US"/>
           </a:p>
@@ -1414,7 +1419,7 @@
           <a:p>
             <a:fld id="{9B69D876-7CEC-4B74-B665-6B1E45D3CD13}" type="datetimeFigureOut">
               <a:rPr lang="en-US" smtClean="0"/>
-              <a:t>11/14/2022</a:t>
+              <a:t>11/16/2022</a:t>
             </a:fld>
             <a:endParaRPr lang="en-US"/>
           </a:p>
@@ -1829,7 +1834,7 @@
           <a:p>
             <a:fld id="{9B69D876-7CEC-4B74-B665-6B1E45D3CD13}" type="datetimeFigureOut">
               <a:rPr lang="en-US" smtClean="0"/>
-              <a:t>11/14/2022</a:t>
+              <a:t>11/16/2022</a:t>
             </a:fld>
             <a:endParaRPr lang="en-US"/>
           </a:p>
@@ -1971,7 +1976,7 @@
           <a:p>
             <a:fld id="{9B69D876-7CEC-4B74-B665-6B1E45D3CD13}" type="datetimeFigureOut">
               <a:rPr lang="en-US" smtClean="0"/>
-              <a:t>11/14/2022</a:t>
+              <a:t>11/16/2022</a:t>
             </a:fld>
             <a:endParaRPr lang="en-US"/>
           </a:p>
@@ -2084,7 +2089,7 @@
           <a:p>
             <a:fld id="{9B69D876-7CEC-4B74-B665-6B1E45D3CD13}" type="datetimeFigureOut">
               <a:rPr lang="en-US" smtClean="0"/>
-              <a:t>11/14/2022</a:t>
+              <a:t>11/16/2022</a:t>
             </a:fld>
             <a:endParaRPr lang="en-US"/>
           </a:p>
@@ -2397,7 +2402,7 @@
           <a:p>
             <a:fld id="{9B69D876-7CEC-4B74-B665-6B1E45D3CD13}" type="datetimeFigureOut">
               <a:rPr lang="en-US" smtClean="0"/>
-              <a:t>11/14/2022</a:t>
+              <a:t>11/16/2022</a:t>
             </a:fld>
             <a:endParaRPr lang="en-US"/>
           </a:p>
@@ -2686,7 +2691,7 @@
           <a:p>
             <a:fld id="{9B69D876-7CEC-4B74-B665-6B1E45D3CD13}" type="datetimeFigureOut">
               <a:rPr lang="en-US" smtClean="0"/>
-              <a:t>11/14/2022</a:t>
+              <a:t>11/16/2022</a:t>
             </a:fld>
             <a:endParaRPr lang="en-US"/>
           </a:p>
@@ -2929,7 +2934,7 @@
           <a:p>
             <a:fld id="{9B69D876-7CEC-4B74-B665-6B1E45D3CD13}" type="datetimeFigureOut">
               <a:rPr lang="en-US" smtClean="0"/>
-              <a:t>11/14/2022</a:t>
+              <a:t>11/16/2022</a:t>
             </a:fld>
             <a:endParaRPr lang="en-US"/>
           </a:p>
@@ -3480,12 +3485,61 @@
           <a:chExt cx="0" cy="0"/>
         </a:xfrm>
       </p:grpSpPr>
+      <p:sp>
+        <p:nvSpPr>
+          <p:cNvPr id="6" name="文本框 5">
+            <a:extLst>
+              <a:ext uri="{FF2B5EF4-FFF2-40B4-BE49-F238E27FC236}">
+                <a16:creationId xmlns:a16="http://schemas.microsoft.com/office/drawing/2014/main" id="{BE6ABE3B-BF89-DCE7-A13D-D36714EDD365}"/>
+              </a:ext>
+            </a:extLst>
+          </p:cNvPr>
+          <p:cNvSpPr txBox="1"/>
+          <p:nvPr/>
+        </p:nvSpPr>
+        <p:spPr>
+          <a:xfrm>
+            <a:off x="81452" y="343700"/>
+            <a:ext cx="5632568" cy="646331"/>
+          </a:xfrm>
+          <a:prstGeom prst="rect">
+            <a:avLst/>
+          </a:prstGeom>
+          <a:noFill/>
+        </p:spPr>
+        <p:txBody>
+          <a:bodyPr wrap="none" rtlCol="0">
+            <a:spAutoFit/>
+          </a:bodyPr>
+          <a:lstStyle/>
+          <a:p>
+            <a:r>
+              <a:rPr lang="en-US" dirty="0"/>
+              <a:t>At first we will use </a:t>
+            </a:r>
+            <a:r>
+              <a:rPr lang="en-US" dirty="0" err="1"/>
+              <a:t>Fdataset</a:t>
+            </a:r>
+            <a:r>
+              <a:rPr lang="en-US" dirty="0"/>
+              <a:t> to process the image and text.</a:t>
+            </a:r>
+          </a:p>
+          <a:p>
+            <a:r>
+              <a:rPr lang="en-US" dirty="0"/>
+              <a:t>Later the exist data will be split and load into 2 set</a:t>
+            </a:r>
+          </a:p>
+        </p:txBody>
+      </p:sp>
       <p:pic>
         <p:nvPicPr>
-          <p:cNvPr id="5" name="图片 4" descr="图示&#10;&#10;描述已自动生成">
-            <a:extLst>
-              <a:ext uri="{FF2B5EF4-FFF2-40B4-BE49-F238E27FC236}">
-                <a16:creationId xmlns:a16="http://schemas.microsoft.com/office/drawing/2014/main" id="{6B5C2926-9ADE-2FA0-AFBA-AB3F10F02743}"/>
+          <p:cNvPr id="4" name="图片 3">
+            <a:extLst>
+              <a:ext uri="{FF2B5EF4-FFF2-40B4-BE49-F238E27FC236}">
+                <a16:creationId xmlns:a16="http://schemas.microsoft.com/office/drawing/2014/main" id="{E53164F5-EDF2-D5C6-8928-577FB5A6C633}"/>
               </a:ext>
             </a:extLst>
           </p:cNvPr>
@@ -3494,21 +3548,16 @@
           </p:cNvPicPr>
           <p:nvPr/>
         </p:nvPicPr>
-        <p:blipFill rotWithShape="1">
-          <a:blip r:embed="rId2">
-            <a:extLst>
-              <a:ext uri="{28A0092B-C50C-407E-A947-70E740481C1C}">
-                <a14:useLocalDpi xmlns:a14="http://schemas.microsoft.com/office/drawing/2010/main" val="0"/>
-              </a:ext>
-            </a:extLst>
-          </a:blip>
-          <a:srcRect l="3945" t="8783" r="8825" b="3280"/>
-          <a:stretch/>
+        <p:blipFill>
+          <a:blip r:embed="rId2"/>
+          <a:stretch>
+            <a:fillRect/>
+          </a:stretch>
         </p:blipFill>
         <p:spPr>
           <a:xfrm>
-            <a:off x="596106" y="95137"/>
-            <a:ext cx="6340475" cy="4465200"/>
+            <a:off x="276265" y="1267126"/>
+            <a:ext cx="7674744" cy="5409390"/>
           </a:xfrm>
           <a:prstGeom prst="rect">
             <a:avLst/>
@@ -3517,10 +3566,10 @@
       </p:pic>
       <p:sp>
         <p:nvSpPr>
-          <p:cNvPr id="6" name="文本框 5">
-            <a:extLst>
-              <a:ext uri="{FF2B5EF4-FFF2-40B4-BE49-F238E27FC236}">
-                <a16:creationId xmlns:a16="http://schemas.microsoft.com/office/drawing/2014/main" id="{BE6ABE3B-BF89-DCE7-A13D-D36714EDD365}"/>
+          <p:cNvPr id="7" name="文本框 6">
+            <a:extLst>
+              <a:ext uri="{FF2B5EF4-FFF2-40B4-BE49-F238E27FC236}">
+                <a16:creationId xmlns:a16="http://schemas.microsoft.com/office/drawing/2014/main" id="{627349DF-2294-F0CD-C279-622C244ABA48}"/>
               </a:ext>
             </a:extLst>
           </p:cNvPr>
@@ -3529,8 +3578,8 @@
         </p:nvSpPr>
         <p:spPr>
           <a:xfrm>
-            <a:off x="718956" y="5018730"/>
-            <a:ext cx="1484702" cy="369332"/>
+            <a:off x="5534793" y="343699"/>
+            <a:ext cx="6657207" cy="646331"/>
           </a:xfrm>
           <a:prstGeom prst="rect">
             <a:avLst/>
@@ -3544,8 +3593,297 @@
           <a:lstStyle/>
           <a:p>
             <a:r>
+              <a:rPr lang="en-US" dirty="0" err="1"/>
+              <a:t>Dataloader</a:t>
+            </a:r>
+            <a:r>
               <a:rPr lang="en-US" dirty="0"/>
-              <a:t>This is a LSTM</a:t>
+              <a:t> will extract the variable we need</a:t>
+            </a:r>
+          </a:p>
+          <a:p>
+            <a:r>
+              <a:rPr lang="en-US" dirty="0"/>
+              <a:t>Such as embedding or weight for VGG and vocab size for </a:t>
+            </a:r>
+            <a:r>
+              <a:rPr lang="en-US" dirty="0" err="1"/>
+              <a:t>textencoder</a:t>
+            </a:r>
+            <a:endParaRPr lang="en-US" dirty="0"/>
+          </a:p>
+        </p:txBody>
+      </p:sp>
+      <p:sp>
+        <p:nvSpPr>
+          <p:cNvPr id="8" name="文本框 7">
+            <a:extLst>
+              <a:ext uri="{FF2B5EF4-FFF2-40B4-BE49-F238E27FC236}">
+                <a16:creationId xmlns:a16="http://schemas.microsoft.com/office/drawing/2014/main" id="{8BD61603-1285-7388-7076-8B0A8C886DE9}"/>
+              </a:ext>
+            </a:extLst>
+          </p:cNvPr>
+          <p:cNvSpPr txBox="1"/>
+          <p:nvPr/>
+        </p:nvSpPr>
+        <p:spPr>
+          <a:xfrm>
+            <a:off x="7951009" y="1384478"/>
+            <a:ext cx="4434740" cy="1477328"/>
+          </a:xfrm>
+          <a:prstGeom prst="rect">
+            <a:avLst/>
+          </a:prstGeom>
+          <a:noFill/>
+        </p:spPr>
+        <p:txBody>
+          <a:bodyPr wrap="none" rtlCol="0">
+            <a:spAutoFit/>
+          </a:bodyPr>
+          <a:lstStyle/>
+          <a:p>
+            <a:r>
+              <a:rPr lang="en-US" dirty="0"/>
+              <a:t>The </a:t>
+            </a:r>
+            <a:r>
+              <a:rPr lang="en-US" dirty="0" err="1"/>
+              <a:t>BaseLineRNN</a:t>
+            </a:r>
+            <a:r>
+              <a:rPr lang="en-US" dirty="0"/>
+              <a:t> is our model, as the base-</a:t>
+            </a:r>
+          </a:p>
+          <a:p>
+            <a:r>
+              <a:rPr lang="en-US" dirty="0"/>
+              <a:t>-line established, a VGG-16 image encoder a-</a:t>
+            </a:r>
+          </a:p>
+          <a:p>
+            <a:r>
+              <a:rPr lang="en-US" dirty="0"/>
+              <a:t>-</a:t>
+            </a:r>
+            <a:r>
+              <a:rPr lang="en-US" dirty="0" err="1"/>
+              <a:t>nd</a:t>
+            </a:r>
+            <a:r>
+              <a:rPr lang="en-US" dirty="0"/>
+              <a:t> a </a:t>
+            </a:r>
+            <a:r>
+              <a:rPr lang="en-US" dirty="0" err="1"/>
+              <a:t>Textencoder</a:t>
+            </a:r>
+            <a:r>
+              <a:rPr lang="en-US" dirty="0"/>
+              <a:t> will be initiated with the </a:t>
+            </a:r>
+          </a:p>
+          <a:p>
+            <a:r>
+              <a:rPr lang="en-US" dirty="0"/>
+              <a:t>Variable we gather from </a:t>
+            </a:r>
+            <a:r>
+              <a:rPr lang="en-US" dirty="0" err="1"/>
+              <a:t>dataloader</a:t>
+            </a:r>
+            <a:r>
+              <a:rPr lang="en-US" dirty="0"/>
+              <a:t> or design</a:t>
+            </a:r>
+          </a:p>
+          <a:p>
+            <a:r>
+              <a:rPr lang="en-US" dirty="0"/>
+              <a:t>By ourself.</a:t>
+            </a:r>
+          </a:p>
+        </p:txBody>
+      </p:sp>
+      <p:sp>
+        <p:nvSpPr>
+          <p:cNvPr id="9" name="文本框 8">
+            <a:extLst>
+              <a:ext uri="{FF2B5EF4-FFF2-40B4-BE49-F238E27FC236}">
+                <a16:creationId xmlns:a16="http://schemas.microsoft.com/office/drawing/2014/main" id="{08A4EACE-2520-CFF1-1F60-EBCECBB97E01}"/>
+              </a:ext>
+            </a:extLst>
+          </p:cNvPr>
+          <p:cNvSpPr txBox="1"/>
+          <p:nvPr/>
+        </p:nvSpPr>
+        <p:spPr>
+          <a:xfrm>
+            <a:off x="7951009" y="3271234"/>
+            <a:ext cx="4441729" cy="2308324"/>
+          </a:xfrm>
+          <a:prstGeom prst="rect">
+            <a:avLst/>
+          </a:prstGeom>
+          <a:noFill/>
+        </p:spPr>
+        <p:txBody>
+          <a:bodyPr wrap="none" rtlCol="0">
+            <a:spAutoFit/>
+          </a:bodyPr>
+          <a:lstStyle/>
+          <a:p>
+            <a:r>
+              <a:rPr lang="en-US" dirty="0"/>
+              <a:t>When the training start, the LSTM will gather</a:t>
+            </a:r>
+          </a:p>
+          <a:p>
+            <a:r>
+              <a:rPr lang="en-US" dirty="0"/>
+              <a:t>feature from image encoder and </a:t>
+            </a:r>
+            <a:r>
+              <a:rPr lang="en-US" dirty="0" err="1"/>
+              <a:t>h_n</a:t>
+            </a:r>
+            <a:r>
+              <a:rPr lang="en-US" dirty="0"/>
+              <a:t> and </a:t>
+            </a:r>
+            <a:r>
+              <a:rPr lang="en-US" dirty="0" err="1"/>
+              <a:t>c_n</a:t>
+            </a:r>
+            <a:endParaRPr lang="en-US" dirty="0"/>
+          </a:p>
+          <a:p>
+            <a:r>
+              <a:rPr lang="en-US" dirty="0"/>
+              <a:t>generate from torch. Later the LSTM model</a:t>
+            </a:r>
+          </a:p>
+          <a:p>
+            <a:r>
+              <a:rPr lang="en-US" dirty="0"/>
+              <a:t>will generate out result which the </a:t>
+            </a:r>
+            <a:r>
+              <a:rPr lang="en-US" dirty="0" err="1"/>
+              <a:t>textencod</a:t>
+            </a:r>
+            <a:r>
+              <a:rPr lang="en-US" dirty="0"/>
+              <a:t>-</a:t>
+            </a:r>
+          </a:p>
+          <a:p>
+            <a:r>
+              <a:rPr lang="en-US" dirty="0"/>
+              <a:t>-er will gather token and reshaped to the </a:t>
+            </a:r>
+            <a:r>
+              <a:rPr lang="en-US" dirty="0" err="1"/>
+              <a:t>inp</a:t>
+            </a:r>
+            <a:r>
+              <a:rPr lang="en-US" dirty="0"/>
+              <a:t>-</a:t>
+            </a:r>
+          </a:p>
+          <a:p>
+            <a:r>
+              <a:rPr lang="en-US" dirty="0"/>
+              <a:t>-</a:t>
+            </a:r>
+            <a:r>
+              <a:rPr lang="en-US" dirty="0" err="1"/>
+              <a:t>ut</a:t>
+            </a:r>
+            <a:r>
+              <a:rPr lang="en-US" dirty="0"/>
+              <a:t> for next iteration of LSTM, and the next </a:t>
+            </a:r>
+          </a:p>
+          <a:p>
+            <a:r>
+              <a:rPr lang="en-US" dirty="0"/>
+              <a:t>Iteration will received feature from new </a:t>
+            </a:r>
+            <a:r>
+              <a:rPr lang="en-US" dirty="0" err="1"/>
+              <a:t>iter</a:t>
+            </a:r>
+            <a:r>
+              <a:rPr lang="en-US" dirty="0"/>
+              <a:t>-</a:t>
+            </a:r>
+          </a:p>
+          <a:p>
+            <a:r>
+              <a:rPr lang="en-US" dirty="0" err="1"/>
+              <a:t>Ation</a:t>
+            </a:r>
+            <a:r>
+              <a:rPr lang="en-US" dirty="0"/>
+              <a:t> of image encoder as well.</a:t>
+            </a:r>
+          </a:p>
+        </p:txBody>
+      </p:sp>
+      <p:sp>
+        <p:nvSpPr>
+          <p:cNvPr id="10" name="文本框 9">
+            <a:extLst>
+              <a:ext uri="{FF2B5EF4-FFF2-40B4-BE49-F238E27FC236}">
+                <a16:creationId xmlns:a16="http://schemas.microsoft.com/office/drawing/2014/main" id="{653B6E9D-A926-1299-A7D6-D3812F2ADF38}"/>
+              </a:ext>
+            </a:extLst>
+          </p:cNvPr>
+          <p:cNvSpPr txBox="1"/>
+          <p:nvPr/>
+        </p:nvSpPr>
+        <p:spPr>
+          <a:xfrm>
+            <a:off x="7501944" y="5574039"/>
+            <a:ext cx="4868192" cy="646331"/>
+          </a:xfrm>
+          <a:prstGeom prst="rect">
+            <a:avLst/>
+          </a:prstGeom>
+          <a:noFill/>
+        </p:spPr>
+        <p:txBody>
+          <a:bodyPr wrap="none" rtlCol="0">
+            <a:spAutoFit/>
+          </a:bodyPr>
+          <a:lstStyle/>
+          <a:p>
+            <a:r>
+              <a:rPr lang="en-US" dirty="0"/>
+              <a:t>During the iteration, the optimizer and criteria </a:t>
+            </a:r>
+            <a:r>
+              <a:rPr lang="en-US" dirty="0" err="1"/>
+              <a:t>wi</a:t>
+            </a:r>
+            <a:r>
+              <a:rPr lang="en-US" dirty="0"/>
+              <a:t>-</a:t>
+            </a:r>
+          </a:p>
+          <a:p>
+            <a:r>
+              <a:rPr lang="en-US" dirty="0"/>
+              <a:t>-</a:t>
+            </a:r>
+            <a:r>
+              <a:rPr lang="en-US" dirty="0" err="1"/>
+              <a:t>ll</a:t>
+            </a:r>
+            <a:r>
+              <a:rPr lang="en-US" dirty="0"/>
+              <a:t> record the lose for further training.</a:t>
             </a:r>
           </a:p>
         </p:txBody>
@@ -3639,6 +3977,42 @@
           <a:chExt cx="0" cy="0"/>
         </a:xfrm>
       </p:grpSpPr>
+      <p:pic>
+        <p:nvPicPr>
+          <p:cNvPr id="7" name="图片 6" descr="猫在沙发上&#10;&#10;描述已自动生成">
+            <a:extLst>
+              <a:ext uri="{FF2B5EF4-FFF2-40B4-BE49-F238E27FC236}">
+                <a16:creationId xmlns:a16="http://schemas.microsoft.com/office/drawing/2014/main" id="{47E1AFF7-1278-EAEF-8E57-54B4D03F8634}"/>
+              </a:ext>
+            </a:extLst>
+          </p:cNvPr>
+          <p:cNvPicPr>
+            <a:picLocks noChangeAspect="1"/>
+          </p:cNvPicPr>
+          <p:nvPr/>
+        </p:nvPicPr>
+        <p:blipFill>
+          <a:blip r:embed="rId2">
+            <a:extLst>
+              <a:ext uri="{28A0092B-C50C-407E-A947-70E740481C1C}">
+                <a14:useLocalDpi xmlns:a14="http://schemas.microsoft.com/office/drawing/2010/main" val="0"/>
+              </a:ext>
+            </a:extLst>
+          </a:blip>
+          <a:stretch>
+            <a:fillRect/>
+          </a:stretch>
+        </p:blipFill>
+        <p:spPr>
+          <a:xfrm>
+            <a:off x="328411" y="1741320"/>
+            <a:ext cx="3403649" cy="2938306"/>
+          </a:xfrm>
+          <a:prstGeom prst="rect">
+            <a:avLst/>
+          </a:prstGeom>
+        </p:spPr>
+      </p:pic>
       <p:sp>
         <p:nvSpPr>
           <p:cNvPr id="2" name="标题 1">
@@ -3662,34 +4036,160 @@
           <a:p>
             <a:pPr algn="ctr"/>
             <a:r>
+              <a:rPr lang="en-US" b="1" dirty="0"/>
+              <a:t>Lesson Learned so far</a:t>
+            </a:r>
+          </a:p>
+        </p:txBody>
+      </p:sp>
+      <p:sp>
+        <p:nvSpPr>
+          <p:cNvPr id="4" name="文本框 3">
+            <a:extLst>
+              <a:ext uri="{FF2B5EF4-FFF2-40B4-BE49-F238E27FC236}">
+                <a16:creationId xmlns:a16="http://schemas.microsoft.com/office/drawing/2014/main" id="{A9230ED1-7FD2-81F1-012C-B479E4111787}"/>
+              </a:ext>
+            </a:extLst>
+          </p:cNvPr>
+          <p:cNvSpPr txBox="1"/>
+          <p:nvPr/>
+        </p:nvSpPr>
+        <p:spPr>
+          <a:xfrm>
+            <a:off x="328411" y="1860996"/>
+            <a:ext cx="4407553" cy="2031325"/>
+          </a:xfrm>
+          <a:prstGeom prst="rect">
+            <a:avLst/>
+          </a:prstGeom>
+          <a:noFill/>
+        </p:spPr>
+        <p:txBody>
+          <a:bodyPr wrap="none" rtlCol="0">
+            <a:spAutoFit/>
+          </a:bodyPr>
+          <a:lstStyle/>
+          <a:p>
+            <a:r>
+              <a:rPr lang="en-US" dirty="0">
+                <a:solidFill>
+                  <a:srgbClr val="FF0000"/>
+                </a:solidFill>
+              </a:rPr>
+              <a:t>Challenge</a:t>
+            </a:r>
+          </a:p>
+          <a:p>
+            <a:r>
+              <a:rPr lang="en-US" dirty="0">
+                <a:solidFill>
+                  <a:srgbClr val="FF0000"/>
+                </a:solidFill>
+              </a:rPr>
+              <a:t>1: Image Caption is hard</a:t>
+            </a:r>
+          </a:p>
+          <a:p>
+            <a:r>
+              <a:rPr lang="en-US" dirty="0">
+                <a:solidFill>
+                  <a:srgbClr val="FF0000"/>
+                </a:solidFill>
+              </a:rPr>
+              <a:t>2: The time cost for each train is heavy</a:t>
+            </a:r>
+          </a:p>
+          <a:p>
+            <a:r>
+              <a:rPr lang="en-US" dirty="0">
+                <a:solidFill>
+                  <a:srgbClr val="FF0000"/>
+                </a:solidFill>
+              </a:rPr>
+              <a:t>and we have a huge dataset to train and test </a:t>
+            </a:r>
+          </a:p>
+          <a:p>
+            <a:r>
+              <a:rPr lang="en-US" dirty="0">
+                <a:solidFill>
+                  <a:srgbClr val="FF0000"/>
+                </a:solidFill>
+              </a:rPr>
+              <a:t>3</a:t>
+            </a:r>
+          </a:p>
+          <a:p>
+            <a:r>
+              <a:rPr lang="en-US" dirty="0">
+                <a:solidFill>
+                  <a:srgbClr val="FF0000"/>
+                </a:solidFill>
+              </a:rPr>
+              <a:t>4</a:t>
+            </a:r>
+          </a:p>
+          <a:p>
+            <a:endParaRPr lang="en-US" dirty="0"/>
+          </a:p>
+        </p:txBody>
+      </p:sp>
+      <p:sp>
+        <p:nvSpPr>
+          <p:cNvPr id="5" name="文本框 4">
+            <a:extLst>
+              <a:ext uri="{FF2B5EF4-FFF2-40B4-BE49-F238E27FC236}">
+                <a16:creationId xmlns:a16="http://schemas.microsoft.com/office/drawing/2014/main" id="{44D43A35-E143-3268-AA0C-692D517F36D9}"/>
+              </a:ext>
+            </a:extLst>
+          </p:cNvPr>
+          <p:cNvSpPr txBox="1"/>
+          <p:nvPr/>
+        </p:nvSpPr>
+        <p:spPr>
+          <a:xfrm>
+            <a:off x="7638883" y="1860996"/>
+            <a:ext cx="821059" cy="1477328"/>
+          </a:xfrm>
+          <a:prstGeom prst="rect">
+            <a:avLst/>
+          </a:prstGeom>
+          <a:noFill/>
+        </p:spPr>
+        <p:txBody>
+          <a:bodyPr wrap="none" rtlCol="0">
+            <a:spAutoFit/>
+          </a:bodyPr>
+          <a:lstStyle/>
+          <a:p>
+            <a:r>
               <a:rPr lang="en-US" dirty="0"/>
-              <a:t>Lesson Learned so far</a:t>
-            </a:r>
-          </a:p>
-        </p:txBody>
-      </p:sp>
-      <p:sp>
-        <p:nvSpPr>
-          <p:cNvPr id="3" name="内容占位符 2">
-            <a:extLst>
-              <a:ext uri="{FF2B5EF4-FFF2-40B4-BE49-F238E27FC236}">
-                <a16:creationId xmlns:a16="http://schemas.microsoft.com/office/drawing/2014/main" id="{8B75D2E9-3119-9408-C1E1-A947AD28EB8F}"/>
-              </a:ext>
-            </a:extLst>
-          </p:cNvPr>
-          <p:cNvSpPr>
-            <a:spLocks noGrp="1"/>
-          </p:cNvSpPr>
-          <p:nvPr>
-            <p:ph idx="1"/>
-          </p:nvPr>
-        </p:nvSpPr>
-        <p:spPr/>
-        <p:txBody>
-          <a:bodyPr/>
-          <a:lstStyle/>
-          <a:p>
-            <a:endParaRPr lang="en-US"/>
+              <a:t>Lesson</a:t>
+            </a:r>
+          </a:p>
+          <a:p>
+            <a:r>
+              <a:rPr lang="en-US" dirty="0"/>
+              <a:t>1</a:t>
+            </a:r>
+          </a:p>
+          <a:p>
+            <a:r>
+              <a:rPr lang="en-US" dirty="0"/>
+              <a:t>2</a:t>
+            </a:r>
+          </a:p>
+          <a:p>
+            <a:r>
+              <a:rPr lang="en-US" dirty="0"/>
+              <a:t>3</a:t>
+            </a:r>
+          </a:p>
+          <a:p>
+            <a:r>
+              <a:rPr lang="en-US" dirty="0"/>
+              <a:t>4</a:t>
+            </a:r>
           </a:p>
         </p:txBody>
       </p:sp>
@@ -3744,32 +4244,151 @@
           <a:bodyPr/>
           <a:lstStyle/>
           <a:p>
-            <a:endParaRPr lang="en-US"/>
-          </a:p>
-        </p:txBody>
-      </p:sp>
-      <p:sp>
-        <p:nvSpPr>
-          <p:cNvPr id="3" name="内容占位符 2">
-            <a:extLst>
-              <a:ext uri="{FF2B5EF4-FFF2-40B4-BE49-F238E27FC236}">
-                <a16:creationId xmlns:a16="http://schemas.microsoft.com/office/drawing/2014/main" id="{36DC2093-9E17-1B77-E358-5A2479762CDF}"/>
-              </a:ext>
-            </a:extLst>
-          </p:cNvPr>
-          <p:cNvSpPr>
-            <a:spLocks noGrp="1"/>
-          </p:cNvSpPr>
-          <p:nvPr>
-            <p:ph idx="1"/>
-          </p:nvPr>
-        </p:nvSpPr>
-        <p:spPr/>
-        <p:txBody>
-          <a:bodyPr/>
-          <a:lstStyle/>
-          <a:p>
-            <a:endParaRPr lang="en-US"/>
+            <a:pPr algn="ctr"/>
+            <a:r>
+              <a:rPr lang="en-US" b="1" dirty="0"/>
+              <a:t>Conclusion and future</a:t>
+            </a:r>
+          </a:p>
+        </p:txBody>
+      </p:sp>
+      <p:sp>
+        <p:nvSpPr>
+          <p:cNvPr id="4" name="文本框 3">
+            <a:extLst>
+              <a:ext uri="{FF2B5EF4-FFF2-40B4-BE49-F238E27FC236}">
+                <a16:creationId xmlns:a16="http://schemas.microsoft.com/office/drawing/2014/main" id="{65055056-388C-E14B-61B9-F9F0427A1F34}"/>
+              </a:ext>
+            </a:extLst>
+          </p:cNvPr>
+          <p:cNvSpPr txBox="1"/>
+          <p:nvPr/>
+        </p:nvSpPr>
+        <p:spPr>
+          <a:xfrm>
+            <a:off x="1126901" y="3509493"/>
+            <a:ext cx="2902782" cy="523220"/>
+          </a:xfrm>
+          <a:prstGeom prst="rect">
+            <a:avLst/>
+          </a:prstGeom>
+          <a:noFill/>
+        </p:spPr>
+        <p:txBody>
+          <a:bodyPr wrap="none" rtlCol="0">
+            <a:spAutoFit/>
+          </a:bodyPr>
+          <a:lstStyle/>
+          <a:p>
+            <a:r>
+              <a:rPr lang="en-US" sz="2800" b="1" dirty="0"/>
+              <a:t>What we do next?</a:t>
+            </a:r>
+          </a:p>
+        </p:txBody>
+      </p:sp>
+      <p:sp>
+        <p:nvSpPr>
+          <p:cNvPr id="5" name="文本框 4">
+            <a:extLst>
+              <a:ext uri="{FF2B5EF4-FFF2-40B4-BE49-F238E27FC236}">
+                <a16:creationId xmlns:a16="http://schemas.microsoft.com/office/drawing/2014/main" id="{27412729-A053-74A9-7E54-AFD9A10D8E2A}"/>
+              </a:ext>
+            </a:extLst>
+          </p:cNvPr>
+          <p:cNvSpPr txBox="1"/>
+          <p:nvPr/>
+        </p:nvSpPr>
+        <p:spPr>
+          <a:xfrm>
+            <a:off x="1126901" y="4378817"/>
+            <a:ext cx="9920344" cy="369332"/>
+          </a:xfrm>
+          <a:prstGeom prst="rect">
+            <a:avLst/>
+          </a:prstGeom>
+          <a:noFill/>
+        </p:spPr>
+        <p:txBody>
+          <a:bodyPr wrap="none" rtlCol="0">
+            <a:spAutoFit/>
+          </a:bodyPr>
+          <a:lstStyle/>
+          <a:p>
+            <a:r>
+              <a:rPr lang="en-US" dirty="0"/>
+              <a:t>As the base structure goes to stable, we will introduce new dataset (COCO) to increase our performance</a:t>
+            </a:r>
+          </a:p>
+        </p:txBody>
+      </p:sp>
+      <p:sp>
+        <p:nvSpPr>
+          <p:cNvPr id="6" name="文本框 5">
+            <a:extLst>
+              <a:ext uri="{FF2B5EF4-FFF2-40B4-BE49-F238E27FC236}">
+                <a16:creationId xmlns:a16="http://schemas.microsoft.com/office/drawing/2014/main" id="{B977A7DC-BA70-0585-F0F6-FAC38F9143B2}"/>
+              </a:ext>
+            </a:extLst>
+          </p:cNvPr>
+          <p:cNvSpPr txBox="1"/>
+          <p:nvPr/>
+        </p:nvSpPr>
+        <p:spPr>
+          <a:xfrm>
+            <a:off x="1126901" y="5094253"/>
+            <a:ext cx="6602833" cy="369332"/>
+          </a:xfrm>
+          <a:prstGeom prst="rect">
+            <a:avLst/>
+          </a:prstGeom>
+          <a:noFill/>
+        </p:spPr>
+        <p:txBody>
+          <a:bodyPr wrap="none" rtlCol="0">
+            <a:spAutoFit/>
+          </a:bodyPr>
+          <a:lstStyle/>
+          <a:p>
+            <a:r>
+              <a:rPr lang="en-US" dirty="0"/>
+              <a:t>New module such as attention module will be put into consideration.</a:t>
+            </a:r>
+          </a:p>
+        </p:txBody>
+      </p:sp>
+      <p:sp>
+        <p:nvSpPr>
+          <p:cNvPr id="7" name="文本框 6">
+            <a:extLst>
+              <a:ext uri="{FF2B5EF4-FFF2-40B4-BE49-F238E27FC236}">
+                <a16:creationId xmlns:a16="http://schemas.microsoft.com/office/drawing/2014/main" id="{957706B0-80C9-08EA-66C3-CEFF2109FABE}"/>
+              </a:ext>
+            </a:extLst>
+          </p:cNvPr>
+          <p:cNvSpPr txBox="1"/>
+          <p:nvPr/>
+        </p:nvSpPr>
+        <p:spPr>
+          <a:xfrm>
+            <a:off x="1126901" y="1513572"/>
+            <a:ext cx="3174843" cy="523220"/>
+          </a:xfrm>
+          <a:prstGeom prst="rect">
+            <a:avLst/>
+          </a:prstGeom>
+          <a:noFill/>
+        </p:spPr>
+        <p:txBody>
+          <a:bodyPr wrap="none" rtlCol="0">
+            <a:spAutoFit/>
+          </a:bodyPr>
+          <a:lstStyle/>
+          <a:p>
+            <a:r>
+              <a:rPr lang="en-US" sz="2800" b="1" dirty="0"/>
+              <a:t>What we got so far?</a:t>
+            </a:r>
           </a:p>
         </p:txBody>
       </p:sp>

--- a/project presentation (WIP).pptx
+++ b/project presentation (WIP).pptx
@@ -3947,6 +3947,59 @@
           </a:p>
         </p:txBody>
       </p:sp>
+      <p:sp>
+        <p:nvSpPr>
+          <p:cNvPr id="2" name="文本框 1">
+            <a:extLst>
+              <a:ext uri="{FF2B5EF4-FFF2-40B4-BE49-F238E27FC236}">
+                <a16:creationId xmlns:a16="http://schemas.microsoft.com/office/drawing/2014/main" id="{53A1943E-5EF1-4D7C-BE80-6EE62CEAA48B}"/>
+              </a:ext>
+            </a:extLst>
+          </p:cNvPr>
+          <p:cNvSpPr txBox="1"/>
+          <p:nvPr/>
+        </p:nvSpPr>
+        <p:spPr>
+          <a:xfrm>
+            <a:off x="838200" y="4704345"/>
+            <a:ext cx="10693890" cy="1200329"/>
+          </a:xfrm>
+          <a:prstGeom prst="rect">
+            <a:avLst/>
+          </a:prstGeom>
+          <a:noFill/>
+        </p:spPr>
+        <p:txBody>
+          <a:bodyPr wrap="none" rtlCol="0">
+            <a:spAutoFit/>
+          </a:bodyPr>
+          <a:lstStyle/>
+          <a:p>
+            <a:r>
+              <a:rPr lang="en-US" dirty="0"/>
+              <a:t>We don’t have a result at this moment</a:t>
+            </a:r>
+          </a:p>
+          <a:p>
+            <a:r>
+              <a:rPr lang="en-US" dirty="0"/>
+              <a:t>	due to the high capacity of our dataset, it would be difficult to gather result from short train.</a:t>
+            </a:r>
+          </a:p>
+          <a:p>
+            <a:r>
+              <a:rPr lang="en-US" dirty="0"/>
+              <a:t>	We are working on reduce the time cost of training but it would still take long time due to the capacity.</a:t>
+            </a:r>
+          </a:p>
+          <a:p>
+            <a:r>
+              <a:rPr lang="en-US" dirty="0"/>
+              <a:t>	</a:t>
+            </a:r>
+          </a:p>
+        </p:txBody>
+      </p:sp>
     </p:spTree>
     <p:extLst>
       <p:ext uri="{BB962C8B-B14F-4D97-AF65-F5344CB8AC3E}">
@@ -4005,8 +4058,8 @@
         </p:blipFill>
         <p:spPr>
           <a:xfrm>
-            <a:off x="328411" y="1741320"/>
-            <a:ext cx="3403649" cy="2938306"/>
+            <a:off x="328411" y="1741319"/>
+            <a:ext cx="5225844" cy="4511373"/>
           </a:xfrm>
           <a:prstGeom prst="rect">
             <a:avLst/>
@@ -4057,7 +4110,7 @@
         <p:spPr>
           <a:xfrm>
             <a:off x="328411" y="1860996"/>
-            <a:ext cx="4407553" cy="2031325"/>
+            <a:ext cx="4746620" cy="1754326"/>
           </a:xfrm>
           <a:prstGeom prst="rect">
             <a:avLst/>
@@ -4096,7 +4149,7 @@
                   <a:srgbClr val="FF0000"/>
                 </a:solidFill>
               </a:rPr>
-              <a:t>2: The time cost for each train is heavy</a:t>
+              <a:t>2: The time cost for each epochs of train is heavy</a:t>
             </a:r>
           </a:p>
           <a:p>
@@ -4110,24 +4163,11 @@
             </a:r>
           </a:p>
           <a:p>
-            <a:r>
-              <a:rPr lang="en-US" dirty="0">
-                <a:solidFill>
-                  <a:srgbClr val="FF0000"/>
-                </a:solidFill>
-              </a:rPr>
-              <a:t>3</a:t>
-            </a:r>
-          </a:p>
-          <a:p>
-            <a:r>
-              <a:rPr lang="en-US" dirty="0">
-                <a:solidFill>
-                  <a:srgbClr val="FF0000"/>
-                </a:solidFill>
-              </a:rPr>
-              <a:t>4</a:t>
-            </a:r>
+            <a:endParaRPr lang="en-US" dirty="0">
+              <a:solidFill>
+                <a:srgbClr val="FF0000"/>
+              </a:solidFill>
+            </a:endParaRPr>
           </a:p>
           <a:p>
             <a:endParaRPr lang="en-US" dirty="0"/>
@@ -4148,8 +4188,8 @@
         </p:nvSpPr>
         <p:spPr>
           <a:xfrm>
-            <a:off x="7638883" y="1860996"/>
-            <a:ext cx="821059" cy="1477328"/>
+            <a:off x="6096000" y="1860996"/>
+            <a:ext cx="5874685" cy="2031325"/>
           </a:xfrm>
           <a:prstGeom prst="rect">
             <a:avLst/>
@@ -4170,26 +4210,44 @@
           <a:p>
             <a:r>
               <a:rPr lang="en-US" dirty="0"/>
-              <a:t>1</a:t>
-            </a:r>
-          </a:p>
-          <a:p>
+              <a:t>1: the local machine might not have a good performance on </a:t>
+            </a:r>
+          </a:p>
+          <a:p>
+            <a:r>
+              <a:rPr lang="en-US" dirty="0" err="1"/>
+              <a:t>maga</a:t>
+            </a:r>
             <a:r>
               <a:rPr lang="en-US" dirty="0"/>
-              <a:t>2</a:t>
+              <a:t>-data</a:t>
             </a:r>
           </a:p>
           <a:p>
             <a:r>
               <a:rPr lang="en-US" dirty="0"/>
-              <a:t>3</a:t>
+              <a:t>2: A minor result but fast epochs should be consider as an</a:t>
             </a:r>
           </a:p>
           <a:p>
             <a:r>
               <a:rPr lang="en-US" dirty="0"/>
-              <a:t>4</a:t>
-            </a:r>
+              <a:t>suitable way when dealing with </a:t>
+            </a:r>
+            <a:r>
+              <a:rPr lang="en-US" dirty="0" err="1"/>
+              <a:t>maga</a:t>
+            </a:r>
+            <a:r>
+              <a:rPr lang="en-US" dirty="0"/>
+              <a:t>-dataset.</a:t>
+            </a:r>
+          </a:p>
+          <a:p>
+            <a:endParaRPr lang="en-US" dirty="0"/>
+          </a:p>
+          <a:p>
+            <a:endParaRPr lang="en-US" dirty="0"/>
           </a:p>
         </p:txBody>
       </p:sp>
@@ -4301,7 +4359,7 @@
         </p:nvSpPr>
         <p:spPr>
           <a:xfrm>
-            <a:off x="1126901" y="4378817"/>
+            <a:off x="1126901" y="4636543"/>
             <a:ext cx="9920344" cy="369332"/>
           </a:xfrm>
           <a:prstGeom prst="rect">
@@ -4388,6 +4446,41 @@
             <a:r>
               <a:rPr lang="en-US" sz="2800" b="1" dirty="0"/>
               <a:t>What we got so far?</a:t>
+            </a:r>
+          </a:p>
+        </p:txBody>
+      </p:sp>
+      <p:sp>
+        <p:nvSpPr>
+          <p:cNvPr id="3" name="文本框 2">
+            <a:extLst>
+              <a:ext uri="{FF2B5EF4-FFF2-40B4-BE49-F238E27FC236}">
+                <a16:creationId xmlns:a16="http://schemas.microsoft.com/office/drawing/2014/main" id="{4CFE9177-D9BB-D692-4A9C-6ABB52410745}"/>
+              </a:ext>
+            </a:extLst>
+          </p:cNvPr>
+          <p:cNvSpPr txBox="1"/>
+          <p:nvPr/>
+        </p:nvSpPr>
+        <p:spPr>
+          <a:xfrm>
+            <a:off x="1126901" y="4178833"/>
+            <a:ext cx="4932569" cy="369332"/>
+          </a:xfrm>
+          <a:prstGeom prst="rect">
+            <a:avLst/>
+          </a:prstGeom>
+          <a:noFill/>
+        </p:spPr>
+        <p:txBody>
+          <a:bodyPr wrap="none" rtlCol="0">
+            <a:spAutoFit/>
+          </a:bodyPr>
+          <a:lstStyle/>
+          <a:p>
+            <a:r>
+              <a:rPr lang="en-US" dirty="0"/>
+              <a:t>Improve the cost efficiency of our training process.</a:t>
             </a:r>
           </a:p>
         </p:txBody>
